--- a/CPP(2~12)/02_C++ 설치_ 조건문.pptx
+++ b/CPP(2~12)/02_C++ 설치_ 조건문.pptx
@@ -269,7 +269,7 @@
             <a:fld id="{A13A867C-D490-40C2-AB8D-A60FA70A9BF5}" type="datetimeFigureOut">
               <a:rPr lang="ko-KR" altLang="en-US" smtClean="0"/>
               <a:pPr/>
-              <a:t>2023-08-29</a:t>
+              <a:t>2024-01-22</a:t>
             </a:fld>
             <a:endParaRPr lang="ko-KR" altLang="en-US" dirty="0"/>
           </a:p>
@@ -4899,7 +4899,7 @@
           <a:p>
             <a:fld id="{4D8C136E-8326-408A-8887-882FDC01828F}" type="datetimeFigureOut">
               <a:rPr lang="ko-KR" altLang="en-US" smtClean="0"/>
-              <a:t>2023-08-29</a:t>
+              <a:t>2024-01-22</a:t>
             </a:fld>
             <a:endParaRPr lang="ko-KR" altLang="en-US"/>
           </a:p>
@@ -5101,7 +5101,7 @@
           <a:p>
             <a:fld id="{4D8C136E-8326-408A-8887-882FDC01828F}" type="datetimeFigureOut">
               <a:rPr lang="ko-KR" altLang="en-US" smtClean="0"/>
-              <a:t>2023-08-29</a:t>
+              <a:t>2024-01-22</a:t>
             </a:fld>
             <a:endParaRPr lang="ko-KR" altLang="en-US"/>
           </a:p>
@@ -5541,7 +5541,7 @@
           <a:p>
             <a:fld id="{4D8C136E-8326-408A-8887-882FDC01828F}" type="datetimeFigureOut">
               <a:rPr lang="ko-KR" altLang="en-US" smtClean="0"/>
-              <a:t>2023-08-29</a:t>
+              <a:t>2024-01-22</a:t>
             </a:fld>
             <a:endParaRPr lang="ko-KR" altLang="en-US"/>
           </a:p>
@@ -5794,7 +5794,7 @@
           <a:p>
             <a:fld id="{4D8C136E-8326-408A-8887-882FDC01828F}" type="datetimeFigureOut">
               <a:rPr lang="ko-KR" altLang="en-US" smtClean="0"/>
-              <a:t>2023-08-29</a:t>
+              <a:t>2024-01-22</a:t>
             </a:fld>
             <a:endParaRPr lang="ko-KR" altLang="en-US"/>
           </a:p>
@@ -6182,7 +6182,7 @@
           <a:p>
             <a:fld id="{4D8C136E-8326-408A-8887-882FDC01828F}" type="datetimeFigureOut">
               <a:rPr lang="ko-KR" altLang="en-US" smtClean="0"/>
-              <a:t>2023-08-29</a:t>
+              <a:t>2024-01-22</a:t>
             </a:fld>
             <a:endParaRPr lang="ko-KR" altLang="en-US"/>
           </a:p>
@@ -6323,7 +6323,7 @@
           <a:p>
             <a:fld id="{4D8C136E-8326-408A-8887-882FDC01828F}" type="datetimeFigureOut">
               <a:rPr lang="ko-KR" altLang="en-US" smtClean="0"/>
-              <a:t>2023-08-29</a:t>
+              <a:t>2024-01-22</a:t>
             </a:fld>
             <a:endParaRPr lang="ko-KR" altLang="en-US"/>
           </a:p>
@@ -6442,7 +6442,7 @@
           <a:p>
             <a:fld id="{4D8C136E-8326-408A-8887-882FDC01828F}" type="datetimeFigureOut">
               <a:rPr lang="ko-KR" altLang="en-US" smtClean="0"/>
-              <a:t>2023-08-29</a:t>
+              <a:t>2024-01-22</a:t>
             </a:fld>
             <a:endParaRPr lang="ko-KR" altLang="en-US"/>
           </a:p>
@@ -6741,7 +6741,7 @@
           <a:p>
             <a:fld id="{4D8C136E-8326-408A-8887-882FDC01828F}" type="datetimeFigureOut">
               <a:rPr lang="ko-KR" altLang="en-US" smtClean="0"/>
-              <a:t>2023-08-29</a:t>
+              <a:t>2024-01-22</a:t>
             </a:fld>
             <a:endParaRPr lang="ko-KR" altLang="en-US"/>
           </a:p>
@@ -7017,7 +7017,7 @@
           <a:p>
             <a:fld id="{4D8C136E-8326-408A-8887-882FDC01828F}" type="datetimeFigureOut">
               <a:rPr lang="ko-KR" altLang="en-US" smtClean="0"/>
-              <a:t>2023-08-29</a:t>
+              <a:t>2024-01-22</a:t>
             </a:fld>
             <a:endParaRPr lang="ko-KR" altLang="en-US"/>
           </a:p>
@@ -7610,17 +7610,20 @@
               <a:t>스마트 팩토리 </a:t>
             </a:r>
             <a:r>
-              <a:rPr lang="en-US" altLang="ko-KR" b="1" dirty="0">
+              <a:rPr lang="en-US" altLang="ko-KR" b="1">
                 <a:latin typeface="Arial Rounded MT Bold" panose="020F0704030504030204" pitchFamily="34" charset="0"/>
               </a:rPr>
-              <a:t>3</a:t>
-            </a:r>
-            <a:r>
-              <a:rPr lang="ko-KR" altLang="en-US" b="1" dirty="0">
+              <a:t>4</a:t>
+            </a:r>
+            <a:r>
+              <a:rPr lang="ko-KR" altLang="en-US" b="1">
                 <a:latin typeface="Arial Rounded MT Bold" panose="020F0704030504030204" pitchFamily="34" charset="0"/>
               </a:rPr>
               <a:t>기</a:t>
             </a:r>
+            <a:endParaRPr lang="ko-KR" altLang="en-US" b="1" dirty="0">
+              <a:latin typeface="Arial Rounded MT Bold" panose="020F0704030504030204" pitchFamily="34" charset="0"/>
+            </a:endParaRPr>
           </a:p>
         </p:txBody>
       </p:sp>
@@ -10614,7 +10617,7 @@
             <a:fld id="{A00B65A2-CFCD-47FB-B251-07B23B5E1093}" type="datetime6">
               <a:rPr lang="ko-KR" altLang="en-US" smtClean="0"/>
               <a:pPr/>
-              <a:t>2023년 8월</a:t>
+              <a:t>2024년 1월</a:t>
             </a:fld>
             <a:endParaRPr lang="ko-KR" altLang="en-US"/>
           </a:p>
@@ -12313,7 +12316,7 @@
             <a:fld id="{0F78D9C4-20C1-4B15-A116-16DC77AD9A1E}" type="datetime1">
               <a:rPr lang="ko-KR" altLang="en-US" smtClean="0"/>
               <a:pPr/>
-              <a:t>2023-08-29</a:t>
+              <a:t>2024-01-22</a:t>
             </a:fld>
             <a:endParaRPr lang="ko-KR" altLang="en-US"/>
           </a:p>
@@ -12639,7 +12642,7 @@
             <a:fld id="{0F78D9C4-20C1-4B15-A116-16DC77AD9A1E}" type="datetime1">
               <a:rPr lang="ko-KR" altLang="en-US" smtClean="0"/>
               <a:pPr/>
-              <a:t>2023-08-29</a:t>
+              <a:t>2024-01-22</a:t>
             </a:fld>
             <a:endParaRPr lang="ko-KR" altLang="en-US"/>
           </a:p>
@@ -15341,7 +15344,7 @@
             <a:fld id="{A00B65A2-CFCD-47FB-B251-07B23B5E1093}" type="datetime6">
               <a:rPr lang="ko-KR" altLang="en-US" smtClean="0"/>
               <a:pPr/>
-              <a:t>2023년 8월</a:t>
+              <a:t>2024년 1월</a:t>
             </a:fld>
             <a:endParaRPr lang="ko-KR" altLang="en-US" dirty="0"/>
           </a:p>
@@ -17232,7 +17235,7 @@
             <a:fld id="{0F78D9C4-20C1-4B15-A116-16DC77AD9A1E}" type="datetime1">
               <a:rPr lang="ko-KR" altLang="en-US" smtClean="0"/>
               <a:pPr/>
-              <a:t>2023-08-29</a:t>
+              <a:t>2024-01-22</a:t>
             </a:fld>
             <a:endParaRPr lang="ko-KR" altLang="en-US"/>
           </a:p>
@@ -18494,7 +18497,7 @@
             <a:fld id="{0F78D9C4-20C1-4B15-A116-16DC77AD9A1E}" type="datetime1">
               <a:rPr lang="ko-KR" altLang="en-US" smtClean="0"/>
               <a:pPr/>
-              <a:t>2023-08-29</a:t>
+              <a:t>2024-01-22</a:t>
             </a:fld>
             <a:endParaRPr lang="ko-KR" altLang="en-US"/>
           </a:p>
@@ -19259,7 +19262,7 @@
             <a:fld id="{0F78D9C4-20C1-4B15-A116-16DC77AD9A1E}" type="datetime1">
               <a:rPr lang="ko-KR" altLang="en-US" smtClean="0"/>
               <a:pPr/>
-              <a:t>2023-08-29</a:t>
+              <a:t>2024-01-22</a:t>
             </a:fld>
             <a:endParaRPr lang="ko-KR" altLang="en-US"/>
           </a:p>
@@ -22454,16 +22457,110 @@
         <a:srgbClr val="954F72"/>
       </a:folHlink>
     </a:clrScheme>
-    <a:fontScheme name="사용자 지정 3">
+    <a:fontScheme name="Office">
       <a:majorFont>
-        <a:latin typeface="메이플스토리"/>
-        <a:ea typeface="메이플스토리"/>
+        <a:latin typeface="맑은 고딕" panose="02110004020202020204"/>
+        <a:ea typeface=""/>
         <a:cs typeface=""/>
+        <a:font script="Jpan" typeface="游ゴシック Light"/>
+        <a:font script="Hang" typeface="맑은 고딕"/>
+        <a:font script="Hans" typeface="等线 Light"/>
+        <a:font script="Hant" typeface="新細明體"/>
+        <a:font script="Arab" typeface="Times New Roman"/>
+        <a:font script="Hebr" typeface="Times New Roman"/>
+        <a:font script="Thai" typeface="Angsana New"/>
+        <a:font script="Ethi" typeface="Nyala"/>
+        <a:font script="Beng" typeface="Vrinda"/>
+        <a:font script="Gujr" typeface="Shruti"/>
+        <a:font script="Khmr" typeface="MoolBoran"/>
+        <a:font script="Knda" typeface="Tunga"/>
+        <a:font script="Guru" typeface="Raavi"/>
+        <a:font script="Cans" typeface="Euphemia"/>
+        <a:font script="Cher" typeface="Plantagenet Cherokee"/>
+        <a:font script="Yiii" typeface="Microsoft Yi Baiti"/>
+        <a:font script="Tibt" typeface="Microsoft Himalaya"/>
+        <a:font script="Thaa" typeface="MV Boli"/>
+        <a:font script="Deva" typeface="Mangal"/>
+        <a:font script="Telu" typeface="Gautami"/>
+        <a:font script="Taml" typeface="Latha"/>
+        <a:font script="Syrc" typeface="Estrangelo Edessa"/>
+        <a:font script="Orya" typeface="Kalinga"/>
+        <a:font script="Mlym" typeface="Kartika"/>
+        <a:font script="Laoo" typeface="DokChampa"/>
+        <a:font script="Sinh" typeface="Iskoola Pota"/>
+        <a:font script="Mong" typeface="Mongolian Baiti"/>
+        <a:font script="Viet" typeface="Times New Roman"/>
+        <a:font script="Uigh" typeface="Microsoft Uighur"/>
+        <a:font script="Geor" typeface="Sylfaen"/>
+        <a:font script="Armn" typeface="Arial"/>
+        <a:font script="Bugi" typeface="Leelawadee UI"/>
+        <a:font script="Bopo" typeface="Microsoft JhengHei"/>
+        <a:font script="Java" typeface="Javanese Text"/>
+        <a:font script="Lisu" typeface="Segoe UI"/>
+        <a:font script="Mymr" typeface="Myanmar Text"/>
+        <a:font script="Nkoo" typeface="Ebrima"/>
+        <a:font script="Olck" typeface="Nirmala UI"/>
+        <a:font script="Osma" typeface="Ebrima"/>
+        <a:font script="Phag" typeface="Phagspa"/>
+        <a:font script="Syrn" typeface="Estrangelo Edessa"/>
+        <a:font script="Syrj" typeface="Estrangelo Edessa"/>
+        <a:font script="Syre" typeface="Estrangelo Edessa"/>
+        <a:font script="Sora" typeface="Nirmala UI"/>
+        <a:font script="Tale" typeface="Microsoft Tai Le"/>
+        <a:font script="Talu" typeface="Microsoft New Tai Lue"/>
+        <a:font script="Tfng" typeface="Ebrima"/>
       </a:majorFont>
       <a:minorFont>
-        <a:latin typeface="메이플스토리"/>
-        <a:ea typeface="메이플스토리"/>
+        <a:latin typeface="맑은 고딕" panose="02110004020202020204"/>
+        <a:ea typeface=""/>
         <a:cs typeface=""/>
+        <a:font script="Jpan" typeface="游ゴシック"/>
+        <a:font script="Hang" typeface="맑은 고딕"/>
+        <a:font script="Hans" typeface="等线"/>
+        <a:font script="Hant" typeface="新細明體"/>
+        <a:font script="Arab" typeface="Arial"/>
+        <a:font script="Hebr" typeface="Arial"/>
+        <a:font script="Thai" typeface="Cordia New"/>
+        <a:font script="Ethi" typeface="Nyala"/>
+        <a:font script="Beng" typeface="Vrinda"/>
+        <a:font script="Gujr" typeface="Shruti"/>
+        <a:font script="Khmr" typeface="DaunPenh"/>
+        <a:font script="Knda" typeface="Tunga"/>
+        <a:font script="Guru" typeface="Raavi"/>
+        <a:font script="Cans" typeface="Euphemia"/>
+        <a:font script="Cher" typeface="Plantagenet Cherokee"/>
+        <a:font script="Yiii" typeface="Microsoft Yi Baiti"/>
+        <a:font script="Tibt" typeface="Microsoft Himalaya"/>
+        <a:font script="Thaa" typeface="MV Boli"/>
+        <a:font script="Deva" typeface="Mangal"/>
+        <a:font script="Telu" typeface="Gautami"/>
+        <a:font script="Taml" typeface="Latha"/>
+        <a:font script="Syrc" typeface="Estrangelo Edessa"/>
+        <a:font script="Orya" typeface="Kalinga"/>
+        <a:font script="Mlym" typeface="Kartika"/>
+        <a:font script="Laoo" typeface="DokChampa"/>
+        <a:font script="Sinh" typeface="Iskoola Pota"/>
+        <a:font script="Mong" typeface="Mongolian Baiti"/>
+        <a:font script="Viet" typeface="Arial"/>
+        <a:font script="Uigh" typeface="Microsoft Uighur"/>
+        <a:font script="Geor" typeface="Sylfaen"/>
+        <a:font script="Armn" typeface="Arial"/>
+        <a:font script="Bugi" typeface="Leelawadee UI"/>
+        <a:font script="Bopo" typeface="Microsoft JhengHei"/>
+        <a:font script="Java" typeface="Javanese Text"/>
+        <a:font script="Lisu" typeface="Segoe UI"/>
+        <a:font script="Mymr" typeface="Myanmar Text"/>
+        <a:font script="Nkoo" typeface="Ebrima"/>
+        <a:font script="Olck" typeface="Nirmala UI"/>
+        <a:font script="Osma" typeface="Ebrima"/>
+        <a:font script="Phag" typeface="Phagspa"/>
+        <a:font script="Syrn" typeface="Estrangelo Edessa"/>
+        <a:font script="Syrj" typeface="Estrangelo Edessa"/>
+        <a:font script="Syre" typeface="Estrangelo Edessa"/>
+        <a:font script="Sora" typeface="Nirmala UI"/>
+        <a:font script="Tale" typeface="Microsoft Tai Le"/>
+        <a:font script="Talu" typeface="Microsoft New Tai Lue"/>
+        <a:font script="Tfng" typeface="Ebrima"/>
       </a:minorFont>
     </a:fontScheme>
     <a:fmtScheme name="Office">
